--- a/TeckTalk_LT_En.pptx
+++ b/TeckTalk_LT_En.pptx
@@ -1931,7 +1931,7 @@
           <a:p>
             <a:fld id="{CB9F16F6-3D74-4493-83AF-9C964279B646}" type="datetimeFigureOut">
               <a:rPr kumimoji="1" lang="ja-JP" altLang="en-US" smtClean="0"/>
-              <a:t>2014/8/19</a:t>
+              <a:t>2014/8/21</a:t>
             </a:fld>
             <a:endParaRPr kumimoji="1" lang="ja-JP" altLang="en-US"/>
           </a:p>
@@ -2144,7 +2144,7 @@
           <a:p>
             <a:fld id="{CB9F16F6-3D74-4493-83AF-9C964279B646}" type="datetimeFigureOut">
               <a:rPr kumimoji="1" lang="ja-JP" altLang="en-US" smtClean="0"/>
-              <a:t>2014/8/19</a:t>
+              <a:t>2014/8/21</a:t>
             </a:fld>
             <a:endParaRPr kumimoji="1" lang="ja-JP" altLang="en-US"/>
           </a:p>
@@ -2295,7 +2295,7 @@
           <a:p>
             <a:fld id="{CB9F16F6-3D74-4493-83AF-9C964279B646}" type="datetimeFigureOut">
               <a:rPr kumimoji="1" lang="ja-JP" altLang="en-US" smtClean="0"/>
-              <a:t>2014/8/19</a:t>
+              <a:t>2014/8/21</a:t>
             </a:fld>
             <a:endParaRPr kumimoji="1" lang="ja-JP" altLang="en-US"/>
           </a:p>
@@ -4185,7 +4185,7 @@
           <a:p>
             <a:fld id="{CB9F16F6-3D74-4493-83AF-9C964279B646}" type="datetimeFigureOut">
               <a:rPr kumimoji="1" lang="ja-JP" altLang="en-US" smtClean="0"/>
-              <a:t>2014/8/19</a:t>
+              <a:t>2014/8/21</a:t>
             </a:fld>
             <a:endParaRPr kumimoji="1" lang="ja-JP" altLang="en-US"/>
           </a:p>
@@ -6055,7 +6055,7 @@
           <a:p>
             <a:fld id="{CB9F16F6-3D74-4493-83AF-9C964279B646}" type="datetimeFigureOut">
               <a:rPr kumimoji="1" lang="ja-JP" altLang="en-US" smtClean="0"/>
-              <a:t>2014/8/19</a:t>
+              <a:t>2014/8/21</a:t>
             </a:fld>
             <a:endParaRPr kumimoji="1" lang="ja-JP" altLang="en-US"/>
           </a:p>
@@ -6168,7 +6168,7 @@
           <a:p>
             <a:fld id="{CB9F16F6-3D74-4493-83AF-9C964279B646}" type="datetimeFigureOut">
               <a:rPr kumimoji="1" lang="ja-JP" altLang="en-US" smtClean="0"/>
-              <a:t>2014/8/19</a:t>
+              <a:t>2014/8/21</a:t>
             </a:fld>
             <a:endParaRPr kumimoji="1" lang="ja-JP" altLang="en-US"/>
           </a:p>
@@ -6837,7 +6837,7 @@
           <a:p>
             <a:fld id="{CB9F16F6-3D74-4493-83AF-9C964279B646}" type="datetimeFigureOut">
               <a:rPr kumimoji="1" lang="ja-JP" altLang="en-US" smtClean="0"/>
-              <a:t>2014/8/19</a:t>
+              <a:t>2014/8/21</a:t>
             </a:fld>
             <a:endParaRPr kumimoji="1" lang="ja-JP" altLang="en-US"/>
           </a:p>
@@ -6950,7 +6950,7 @@
           <a:p>
             <a:fld id="{CB9F16F6-3D74-4493-83AF-9C964279B646}" type="datetimeFigureOut">
               <a:rPr kumimoji="1" lang="ja-JP" altLang="en-US" smtClean="0"/>
-              <a:t>2014/8/19</a:t>
+              <a:t>2014/8/21</a:t>
             </a:fld>
             <a:endParaRPr kumimoji="1" lang="ja-JP" altLang="en-US"/>
           </a:p>
@@ -8661,7 +8661,7 @@
           <a:p>
             <a:fld id="{CB9F16F6-3D74-4493-83AF-9C964279B646}" type="datetimeFigureOut">
               <a:rPr kumimoji="1" lang="ja-JP" altLang="en-US" smtClean="0"/>
-              <a:t>2014/8/19</a:t>
+              <a:t>2014/8/21</a:t>
             </a:fld>
             <a:endParaRPr kumimoji="1" lang="ja-JP" altLang="en-US"/>
           </a:p>
@@ -8812,7 +8812,7 @@
           <a:p>
             <a:fld id="{CB9F16F6-3D74-4493-83AF-9C964279B646}" type="datetimeFigureOut">
               <a:rPr kumimoji="1" lang="ja-JP" altLang="en-US" smtClean="0"/>
-              <a:t>2014/8/19</a:t>
+              <a:t>2014/8/21</a:t>
             </a:fld>
             <a:endParaRPr kumimoji="1" lang="ja-JP" altLang="en-US"/>
           </a:p>
@@ -12459,7 +12459,7 @@
           <a:p>
             <a:fld id="{CB9F16F6-3D74-4493-83AF-9C964279B646}" type="datetimeFigureOut">
               <a:rPr kumimoji="1" lang="ja-JP" altLang="en-US" smtClean="0"/>
-              <a:t>2014/8/19</a:t>
+              <a:t>2014/8/21</a:t>
             </a:fld>
             <a:endParaRPr kumimoji="1" lang="ja-JP" altLang="en-US"/>
           </a:p>
@@ -14318,7 +14318,7 @@
           <a:p>
             <a:fld id="{CB9F16F6-3D74-4493-83AF-9C964279B646}" type="datetimeFigureOut">
               <a:rPr kumimoji="1" lang="ja-JP" altLang="en-US" smtClean="0"/>
-              <a:t>2014/8/19</a:t>
+              <a:t>2014/8/21</a:t>
             </a:fld>
             <a:endParaRPr kumimoji="1" lang="ja-JP" altLang="en-US"/>
           </a:p>
@@ -16263,7 +16263,7 @@
                 <a:ea typeface="Arial Unicode MS" panose="020B0604020202020204" pitchFamily="50" charset="-128"/>
                 <a:cs typeface="Arial Unicode MS" panose="020B0604020202020204" pitchFamily="50" charset="-128"/>
               </a:rPr>
-              <a:t>do this much </a:t>
+              <a:t>do </a:t>
             </a:r>
             <a:r>
               <a:rPr lang="en-US" altLang="ja-JP" sz="2800" dirty="0" smtClean="0">
@@ -16271,7 +16271,39 @@
                 <a:ea typeface="Arial Unicode MS" panose="020B0604020202020204" pitchFamily="50" charset="-128"/>
                 <a:cs typeface="Arial Unicode MS" panose="020B0604020202020204" pitchFamily="50" charset="-128"/>
               </a:rPr>
-              <a:t>a little problem.</a:t>
+              <a:t>this</a:t>
+            </a:r>
+            <a:r>
+              <a:rPr lang="ja-JP" altLang="en-US" sz="2800" dirty="0">
+                <a:latin typeface="Arial Unicode MS" panose="020B0604020202020204" pitchFamily="50" charset="-128"/>
+                <a:ea typeface="Arial Unicode MS" panose="020B0604020202020204" pitchFamily="50" charset="-128"/>
+                <a:cs typeface="Arial Unicode MS" panose="020B0604020202020204" pitchFamily="50" charset="-128"/>
+              </a:rPr>
+              <a:t> </a:t>
+            </a:r>
+            <a:r>
+              <a:rPr lang="en-US" altLang="ja-JP" sz="2800" smtClean="0">
+                <a:latin typeface="Arial Unicode MS" panose="020B0604020202020204" pitchFamily="50" charset="-128"/>
+                <a:ea typeface="Arial Unicode MS" panose="020B0604020202020204" pitchFamily="50" charset="-128"/>
+                <a:cs typeface="Arial Unicode MS" panose="020B0604020202020204" pitchFamily="50" charset="-128"/>
+              </a:rPr>
+              <a:t>much</a:t>
+            </a:r>
+            <a:r>
+              <a:rPr lang="en-US" altLang="ja-JP" sz="2800" smtClean="0">
+                <a:latin typeface="Arial Unicode MS" panose="020B0604020202020204" pitchFamily="50" charset="-128"/>
+                <a:ea typeface="Arial Unicode MS" panose="020B0604020202020204" pitchFamily="50" charset="-128"/>
+                <a:cs typeface="Arial Unicode MS" panose="020B0604020202020204" pitchFamily="50" charset="-128"/>
+              </a:rPr>
+              <a:t> </a:t>
+            </a:r>
+            <a:r>
+              <a:rPr lang="en-US" altLang="ja-JP" sz="2800" dirty="0" smtClean="0">
+                <a:latin typeface="Arial Unicode MS" panose="020B0604020202020204" pitchFamily="50" charset="-128"/>
+                <a:ea typeface="Arial Unicode MS" panose="020B0604020202020204" pitchFamily="50" charset="-128"/>
+                <a:cs typeface="Arial Unicode MS" panose="020B0604020202020204" pitchFamily="50" charset="-128"/>
+              </a:rPr>
+              <a:t>little problem.</a:t>
             </a:r>
           </a:p>
           <a:p>
